--- a/poster.pptx
+++ b/poster.pptx
@@ -1900,7 +1900,7 @@
           </a:ln>
           <a:extLst>
             <a:ext uri="{C572A759-6A51-4108-AA02-DFA0A04FC94B}">
-              <ma14:wrappingTextBoxFlag xmlns:ma14="http://schemas.microsoft.com/office/mac/drawingml/2011/main" xmlns:a14="http://schemas.microsoft.com/office/drawing/2010/main" xmlns:m="http://schemas.openxmlformats.org/officeDocument/2006/math" xmlns="" val="1"/>
+              <ma14:wrappingTextBoxFlag xmlns="" xmlns:m="http://schemas.openxmlformats.org/officeDocument/2006/math" xmlns:a14="http://schemas.microsoft.com/office/drawing/2010/main" xmlns:ma14="http://schemas.microsoft.com/office/mac/drawingml/2011/main" val="1"/>
             </a:ext>
           </a:extLst>
         </p:spPr>
@@ -1939,7 +1939,7 @@
           </a:ln>
           <a:extLst>
             <a:ext uri="{C572A759-6A51-4108-AA02-DFA0A04FC94B}">
-              <ma14:wrappingTextBoxFlag xmlns:ma14="http://schemas.microsoft.com/office/mac/drawingml/2011/main" xmlns:a14="http://schemas.microsoft.com/office/drawing/2010/main" xmlns:m="http://schemas.openxmlformats.org/officeDocument/2006/math" xmlns="" val="1"/>
+              <ma14:wrappingTextBoxFlag xmlns="" xmlns:m="http://schemas.openxmlformats.org/officeDocument/2006/math" xmlns:a14="http://schemas.microsoft.com/office/drawing/2010/main" xmlns:ma14="http://schemas.microsoft.com/office/mac/drawingml/2011/main" val="1"/>
             </a:ext>
           </a:extLst>
         </p:spPr>
@@ -2814,7 +2814,7 @@
           </a:ln>
           <a:extLst>
             <a:ext uri="{C572A759-6A51-4108-AA02-DFA0A04FC94B}">
-              <ma14:wrappingTextBoxFlag xmlns:ma14="http://schemas.microsoft.com/office/mac/drawingml/2011/main" xmlns:a14="http://schemas.microsoft.com/office/drawing/2010/main" xmlns:m="http://schemas.openxmlformats.org/officeDocument/2006/math" xmlns="" val="1"/>
+              <ma14:wrappingTextBoxFlag xmlns="" xmlns:m="http://schemas.openxmlformats.org/officeDocument/2006/math" xmlns:a14="http://schemas.microsoft.com/office/drawing/2010/main" xmlns:ma14="http://schemas.microsoft.com/office/mac/drawingml/2011/main" val="1"/>
             </a:ext>
           </a:extLst>
         </p:spPr>
@@ -2986,7 +2986,7 @@
           </a:ln>
           <a:extLst>
             <a:ext uri="{C572A759-6A51-4108-AA02-DFA0A04FC94B}">
-              <ma14:wrappingTextBoxFlag xmlns:ma14="http://schemas.microsoft.com/office/mac/drawingml/2011/main" xmlns:a14="http://schemas.microsoft.com/office/drawing/2010/main" xmlns:m="http://schemas.openxmlformats.org/officeDocument/2006/math" xmlns="" val="1"/>
+              <ma14:wrappingTextBoxFlag xmlns="" xmlns:m="http://schemas.openxmlformats.org/officeDocument/2006/math" xmlns:a14="http://schemas.microsoft.com/office/drawing/2010/main" xmlns:ma14="http://schemas.microsoft.com/office/mac/drawingml/2011/main" val="1"/>
             </a:ext>
           </a:extLst>
         </p:spPr>
@@ -3040,7 +3040,7 @@
           </a:ln>
           <a:extLst>
             <a:ext uri="{C572A759-6A51-4108-AA02-DFA0A04FC94B}">
-              <ma14:wrappingTextBoxFlag xmlns:ma14="http://schemas.microsoft.com/office/mac/drawingml/2011/main" xmlns:a14="http://schemas.microsoft.com/office/drawing/2010/main" xmlns:m="http://schemas.openxmlformats.org/officeDocument/2006/math" xmlns="" val="1"/>
+              <ma14:wrappingTextBoxFlag xmlns="" xmlns:m="http://schemas.openxmlformats.org/officeDocument/2006/math" xmlns:a14="http://schemas.microsoft.com/office/drawing/2010/main" xmlns:ma14="http://schemas.microsoft.com/office/mac/drawingml/2011/main" val="1"/>
             </a:ext>
           </a:extLst>
         </p:spPr>
@@ -3081,7 +3081,7 @@
           </a:ln>
           <a:extLst>
             <a:ext uri="{C572A759-6A51-4108-AA02-DFA0A04FC94B}">
-              <ma14:wrappingTextBoxFlag xmlns:ma14="http://schemas.microsoft.com/office/mac/drawingml/2011/main" xmlns:a14="http://schemas.microsoft.com/office/drawing/2010/main" xmlns:m="http://schemas.openxmlformats.org/officeDocument/2006/math" xmlns="" val="1"/>
+              <ma14:wrappingTextBoxFlag xmlns="" xmlns:m="http://schemas.openxmlformats.org/officeDocument/2006/math" xmlns:a14="http://schemas.microsoft.com/office/drawing/2010/main" xmlns:ma14="http://schemas.microsoft.com/office/mac/drawingml/2011/main" val="1"/>
             </a:ext>
           </a:extLst>
         </p:spPr>
@@ -3249,7 +3249,7 @@
           </a:ln>
           <a:extLst>
             <a:ext uri="{C572A759-6A51-4108-AA02-DFA0A04FC94B}">
-              <ma14:wrappingTextBoxFlag xmlns:ma14="http://schemas.microsoft.com/office/mac/drawingml/2011/main" xmlns:a14="http://schemas.microsoft.com/office/drawing/2010/main" xmlns:m="http://schemas.openxmlformats.org/officeDocument/2006/math" xmlns="" val="1"/>
+              <ma14:wrappingTextBoxFlag xmlns="" xmlns:m="http://schemas.openxmlformats.org/officeDocument/2006/math" xmlns:a14="http://schemas.microsoft.com/office/drawing/2010/main" xmlns:ma14="http://schemas.microsoft.com/office/mac/drawingml/2011/main" val="1"/>
             </a:ext>
           </a:extLst>
         </p:spPr>
@@ -3293,7 +3293,7 @@
           </a:ln>
           <a:extLst>
             <a:ext uri="{C572A759-6A51-4108-AA02-DFA0A04FC94B}">
-              <ma14:wrappingTextBoxFlag xmlns:ma14="http://schemas.microsoft.com/office/mac/drawingml/2011/main" xmlns:a14="http://schemas.microsoft.com/office/drawing/2010/main" xmlns:m="http://schemas.openxmlformats.org/officeDocument/2006/math" xmlns="" val="1"/>
+              <ma14:wrappingTextBoxFlag xmlns="" xmlns:m="http://schemas.openxmlformats.org/officeDocument/2006/math" xmlns:a14="http://schemas.microsoft.com/office/drawing/2010/main" xmlns:ma14="http://schemas.microsoft.com/office/mac/drawingml/2011/main" val="1"/>
             </a:ext>
           </a:extLst>
         </p:spPr>
@@ -3776,7 +3776,7 @@
           </a:ln>
           <a:extLst>
             <a:ext uri="{C572A759-6A51-4108-AA02-DFA0A04FC94B}">
-              <ma14:wrappingTextBoxFlag xmlns:ma14="http://schemas.microsoft.com/office/mac/drawingml/2011/main" xmlns:a14="http://schemas.microsoft.com/office/drawing/2010/main" xmlns:m="http://schemas.openxmlformats.org/officeDocument/2006/math" xmlns="" val="1"/>
+              <ma14:wrappingTextBoxFlag xmlns="" xmlns:m="http://schemas.openxmlformats.org/officeDocument/2006/math" xmlns:a14="http://schemas.microsoft.com/office/drawing/2010/main" xmlns:ma14="http://schemas.microsoft.com/office/mac/drawingml/2011/main" val="1"/>
             </a:ext>
           </a:extLst>
         </p:spPr>
@@ -4082,7 +4082,7 @@
           </a:ln>
           <a:extLst>
             <a:ext uri="{C572A759-6A51-4108-AA02-DFA0A04FC94B}">
-              <ma14:wrappingTextBoxFlag xmlns:ma14="http://schemas.microsoft.com/office/mac/drawingml/2011/main" xmlns:a14="http://schemas.microsoft.com/office/drawing/2010/main" xmlns:m="http://schemas.openxmlformats.org/officeDocument/2006/math" xmlns="" val="1"/>
+              <ma14:wrappingTextBoxFlag xmlns="" xmlns:m="http://schemas.openxmlformats.org/officeDocument/2006/math" xmlns:a14="http://schemas.microsoft.com/office/drawing/2010/main" xmlns:ma14="http://schemas.microsoft.com/office/mac/drawingml/2011/main" val="1"/>
             </a:ext>
           </a:extLst>
         </p:spPr>
@@ -5080,8 +5080,8 @@
         </p:blipFill>
         <p:spPr>
           <a:xfrm>
-            <a:off x="21286785" y="19228939"/>
-            <a:ext cx="15310967" cy="4762865"/>
+            <a:off x="22844917" y="19202400"/>
+            <a:ext cx="13451778" cy="4185286"/>
           </a:xfrm>
           <a:prstGeom prst="rect">
             <a:avLst/>
@@ -5398,7 +5398,7 @@
           </a:ln>
           <a:extLst>
             <a:ext uri="{C572A759-6A51-4108-AA02-DFA0A04FC94B}">
-              <ma14:wrappingTextBoxFlag xmlns:ma14="http://schemas.microsoft.com/office/mac/drawingml/2011/main" xmlns:a14="http://schemas.microsoft.com/office/drawing/2010/main" xmlns:m="http://schemas.openxmlformats.org/officeDocument/2006/math" xmlns="" val="1"/>
+              <ma14:wrappingTextBoxFlag xmlns="" xmlns:m="http://schemas.openxmlformats.org/officeDocument/2006/math" xmlns:a14="http://schemas.microsoft.com/office/drawing/2010/main" xmlns:ma14="http://schemas.microsoft.com/office/mac/drawingml/2011/main" val="1"/>
             </a:ext>
           </a:extLst>
         </p:spPr>
@@ -5544,7 +5544,7 @@
           </a:ln>
           <a:extLst>
             <a:ext uri="{C572A759-6A51-4108-AA02-DFA0A04FC94B}">
-              <ma14:wrappingTextBoxFlag xmlns:ma14="http://schemas.microsoft.com/office/mac/drawingml/2011/main" xmlns:a14="http://schemas.microsoft.com/office/drawing/2010/main" xmlns:m="http://schemas.openxmlformats.org/officeDocument/2006/math" xmlns="" val="1"/>
+              <ma14:wrappingTextBoxFlag xmlns="" xmlns:m="http://schemas.openxmlformats.org/officeDocument/2006/math" xmlns:a14="http://schemas.microsoft.com/office/drawing/2010/main" xmlns:ma14="http://schemas.microsoft.com/office/mac/drawingml/2011/main" val="1"/>
             </a:ext>
           </a:extLst>
         </p:spPr>

--- a/poster.pptx
+++ b/poster.pptx
@@ -5388,7 +5388,7 @@
         <p:spPr>
           <a:xfrm>
             <a:off x="42115022" y="16697954"/>
-            <a:ext cx="8380269" cy="1323439"/>
+            <a:ext cx="8380269" cy="6247864"/>
           </a:xfrm>
           <a:prstGeom prst="rect">
             <a:avLst/>
@@ -5408,31 +5408,120 @@
           </a:bodyPr>
           <a:lstStyle/>
           <a:p>
-            <a:pPr>
-              <a:defRPr sz="4000"/>
+            <a:pPr marL="571500" indent="-571500" algn="l" fontAlgn="base">
+              <a:buFont typeface="Arial" panose="020B0604020202020204" pitchFamily="34" charset="0"/>
+              <a:buChar char="•"/>
             </a:pPr>
             <a:r>
-              <a:rPr lang="en-US" sz="4000" dirty="0">
+              <a:rPr lang="en-US" sz="4000" b="0" i="0" u="none" strike="noStrike" dirty="0">
                 <a:solidFill>
-                  <a:srgbClr val="0D0D0D"/>
+                  <a:schemeClr val="tx1"/>
                 </a:solidFill>
+                <a:effectLst/>
+                <a:latin typeface="+mj-ea"/>
               </a:rPr>
-              <a:t>Actually get this thing to work.</a:t>
-            </a:r>
-          </a:p>
-          <a:p>
-            <a:pPr>
-              <a:defRPr sz="4000"/>
+              <a:t>Have the final position of the moon be a function of time</a:t>
+            </a:r>
+          </a:p>
+          <a:p>
+            <a:pPr marL="571500" indent="-571500" algn="l" fontAlgn="base">
+              <a:buFont typeface="Arial" panose="020B0604020202020204" pitchFamily="34" charset="0"/>
+              <a:buChar char="•"/>
             </a:pPr>
             <a:r>
-              <a:rPr lang="en-US" sz="4000" dirty="0">
+              <a:rPr lang="en-US" sz="4000" b="0" i="0" u="none" strike="noStrike" dirty="0">
                 <a:solidFill>
-                  <a:srgbClr val="0D0D0D"/>
+                  <a:schemeClr val="tx1"/>
                 </a:solidFill>
+                <a:effectLst/>
+                <a:latin typeface="+mj-ea"/>
               </a:rPr>
-              <a:t>Not incinerate the galaxy </a:t>
-            </a:r>
-            <a:endParaRPr dirty="0"/>
+              <a:t>Have mass of rocket be a function of control variable</a:t>
+            </a:r>
+          </a:p>
+          <a:p>
+            <a:pPr marL="571500" indent="-571500" algn="l" fontAlgn="base">
+              <a:buFont typeface="Arial" panose="020B0604020202020204" pitchFamily="34" charset="0"/>
+              <a:buChar char="•"/>
+            </a:pPr>
+            <a:r>
+              <a:rPr lang="en-US" sz="4000" b="0" i="0" u="none" strike="noStrike" dirty="0">
+                <a:solidFill>
+                  <a:schemeClr val="tx1"/>
+                </a:solidFill>
+                <a:effectLst/>
+                <a:latin typeface="+mj-ea"/>
+              </a:rPr>
+              <a:t>Optimize over final time</a:t>
+            </a:r>
+          </a:p>
+          <a:p>
+            <a:pPr marL="571500" indent="-571500" algn="l" fontAlgn="base">
+              <a:buFont typeface="Arial" panose="020B0604020202020204" pitchFamily="34" charset="0"/>
+              <a:buChar char="•"/>
+            </a:pPr>
+            <a:r>
+              <a:rPr lang="en-US" sz="4000" b="0" i="0" u="none" strike="noStrike" dirty="0">
+                <a:solidFill>
+                  <a:schemeClr val="tx1"/>
+                </a:solidFill>
+                <a:effectLst/>
+                <a:latin typeface="+mj-ea"/>
+              </a:rPr>
+              <a:t>Incorporate a bound on the thrust</a:t>
+            </a:r>
+          </a:p>
+          <a:p>
+            <a:pPr marL="571500" indent="-571500" algn="l" fontAlgn="base">
+              <a:buFont typeface="Arial" panose="020B0604020202020204" pitchFamily="34" charset="0"/>
+              <a:buChar char="•"/>
+            </a:pPr>
+            <a:r>
+              <a:rPr lang="en-US" sz="4000" b="0" i="0" u="none" strike="noStrike" dirty="0">
+                <a:solidFill>
+                  <a:schemeClr val="tx1"/>
+                </a:solidFill>
+                <a:effectLst/>
+                <a:latin typeface="+mj-ea"/>
+              </a:rPr>
+              <a:t>Incorporate discontinuous control (i.</a:t>
+            </a:r>
+            <a:r>
+              <a:rPr lang="en-US" sz="4000" b="0" i="0" u="none" strike="noStrike">
+                <a:solidFill>
+                  <a:schemeClr val="tx1"/>
+                </a:solidFill>
+                <a:effectLst/>
+                <a:latin typeface="+mj-ea"/>
+              </a:rPr>
+              <a:t>e., </a:t>
+            </a:r>
+            <a:r>
+              <a:rPr lang="en-US" sz="4000" b="0" i="0" u="none" strike="noStrike" dirty="0">
+                <a:solidFill>
+                  <a:schemeClr val="tx1"/>
+                </a:solidFill>
+                <a:effectLst/>
+                <a:latin typeface="+mj-ea"/>
+              </a:rPr>
+              <a:t>thrust to get into space and then float for a while)</a:t>
+            </a:r>
+          </a:p>
+          <a:p>
+            <a:pPr marL="571500" indent="-571500" algn="l" fontAlgn="base">
+              <a:buFont typeface="Arial" panose="020B0604020202020204" pitchFamily="34" charset="0"/>
+              <a:buChar char="•"/>
+            </a:pPr>
+            <a:r>
+              <a:rPr lang="en-US" sz="4000" b="0" i="0" u="none" strike="noStrike" dirty="0">
+                <a:solidFill>
+                  <a:schemeClr val="tx1"/>
+                </a:solidFill>
+                <a:effectLst/>
+                <a:latin typeface="+mj-ea"/>
+              </a:rPr>
+              <a:t>Validate effect of gravity on model</a:t>
+            </a:r>
           </a:p>
         </p:txBody>
       </p:sp>

--- a/poster.pptx
+++ b/poster.pptx
@@ -1900,7 +1900,7 @@
           </a:ln>
           <a:extLst>
             <a:ext uri="{C572A759-6A51-4108-AA02-DFA0A04FC94B}">
-              <ma14:wrappingTextBoxFlag xmlns:ma14="http://schemas.microsoft.com/office/mac/drawingml/2011/main" xmlns:a14="http://schemas.microsoft.com/office/drawing/2010/main" xmlns:m="http://schemas.openxmlformats.org/officeDocument/2006/math" xmlns="" val="1"/>
+              <ma14:wrappingTextBoxFlag xmlns="" xmlns:m="http://schemas.openxmlformats.org/officeDocument/2006/math" xmlns:a14="http://schemas.microsoft.com/office/drawing/2010/main" xmlns:ma14="http://schemas.microsoft.com/office/mac/drawingml/2011/main" val="1"/>
             </a:ext>
           </a:extLst>
         </p:spPr>
@@ -1939,7 +1939,7 @@
           </a:ln>
           <a:extLst>
             <a:ext uri="{C572A759-6A51-4108-AA02-DFA0A04FC94B}">
-              <ma14:wrappingTextBoxFlag xmlns:ma14="http://schemas.microsoft.com/office/mac/drawingml/2011/main" xmlns:a14="http://schemas.microsoft.com/office/drawing/2010/main" xmlns:m="http://schemas.openxmlformats.org/officeDocument/2006/math" xmlns="" val="1"/>
+              <ma14:wrappingTextBoxFlag xmlns="" xmlns:m="http://schemas.openxmlformats.org/officeDocument/2006/math" xmlns:a14="http://schemas.microsoft.com/office/drawing/2010/main" xmlns:ma14="http://schemas.microsoft.com/office/mac/drawingml/2011/main" val="1"/>
             </a:ext>
           </a:extLst>
         </p:spPr>
@@ -2814,7 +2814,7 @@
           </a:ln>
           <a:extLst>
             <a:ext uri="{C572A759-6A51-4108-AA02-DFA0A04FC94B}">
-              <ma14:wrappingTextBoxFlag xmlns:ma14="http://schemas.microsoft.com/office/mac/drawingml/2011/main" xmlns:a14="http://schemas.microsoft.com/office/drawing/2010/main" xmlns:m="http://schemas.openxmlformats.org/officeDocument/2006/math" xmlns="" val="1"/>
+              <ma14:wrappingTextBoxFlag xmlns="" xmlns:m="http://schemas.openxmlformats.org/officeDocument/2006/math" xmlns:a14="http://schemas.microsoft.com/office/drawing/2010/main" xmlns:ma14="http://schemas.microsoft.com/office/mac/drawingml/2011/main" val="1"/>
             </a:ext>
           </a:extLst>
         </p:spPr>
@@ -2986,7 +2986,7 @@
           </a:ln>
           <a:extLst>
             <a:ext uri="{C572A759-6A51-4108-AA02-DFA0A04FC94B}">
-              <ma14:wrappingTextBoxFlag xmlns:ma14="http://schemas.microsoft.com/office/mac/drawingml/2011/main" xmlns:a14="http://schemas.microsoft.com/office/drawing/2010/main" xmlns:m="http://schemas.openxmlformats.org/officeDocument/2006/math" xmlns="" val="1"/>
+              <ma14:wrappingTextBoxFlag xmlns="" xmlns:m="http://schemas.openxmlformats.org/officeDocument/2006/math" xmlns:a14="http://schemas.microsoft.com/office/drawing/2010/main" xmlns:ma14="http://schemas.microsoft.com/office/mac/drawingml/2011/main" val="1"/>
             </a:ext>
           </a:extLst>
         </p:spPr>
@@ -3040,7 +3040,7 @@
           </a:ln>
           <a:extLst>
             <a:ext uri="{C572A759-6A51-4108-AA02-DFA0A04FC94B}">
-              <ma14:wrappingTextBoxFlag xmlns:ma14="http://schemas.microsoft.com/office/mac/drawingml/2011/main" xmlns:a14="http://schemas.microsoft.com/office/drawing/2010/main" xmlns:m="http://schemas.openxmlformats.org/officeDocument/2006/math" xmlns="" val="1"/>
+              <ma14:wrappingTextBoxFlag xmlns="" xmlns:m="http://schemas.openxmlformats.org/officeDocument/2006/math" xmlns:a14="http://schemas.microsoft.com/office/drawing/2010/main" xmlns:ma14="http://schemas.microsoft.com/office/mac/drawingml/2011/main" val="1"/>
             </a:ext>
           </a:extLst>
         </p:spPr>
@@ -3081,7 +3081,7 @@
           </a:ln>
           <a:extLst>
             <a:ext uri="{C572A759-6A51-4108-AA02-DFA0A04FC94B}">
-              <ma14:wrappingTextBoxFlag xmlns:ma14="http://schemas.microsoft.com/office/mac/drawingml/2011/main" xmlns:a14="http://schemas.microsoft.com/office/drawing/2010/main" xmlns:m="http://schemas.openxmlformats.org/officeDocument/2006/math" xmlns="" val="1"/>
+              <ma14:wrappingTextBoxFlag xmlns="" xmlns:m="http://schemas.openxmlformats.org/officeDocument/2006/math" xmlns:a14="http://schemas.microsoft.com/office/drawing/2010/main" xmlns:ma14="http://schemas.microsoft.com/office/mac/drawingml/2011/main" val="1"/>
             </a:ext>
           </a:extLst>
         </p:spPr>
@@ -3249,7 +3249,7 @@
           </a:ln>
           <a:extLst>
             <a:ext uri="{C572A759-6A51-4108-AA02-DFA0A04FC94B}">
-              <ma14:wrappingTextBoxFlag xmlns:ma14="http://schemas.microsoft.com/office/mac/drawingml/2011/main" xmlns:a14="http://schemas.microsoft.com/office/drawing/2010/main" xmlns:m="http://schemas.openxmlformats.org/officeDocument/2006/math" xmlns="" val="1"/>
+              <ma14:wrappingTextBoxFlag xmlns="" xmlns:m="http://schemas.openxmlformats.org/officeDocument/2006/math" xmlns:a14="http://schemas.microsoft.com/office/drawing/2010/main" xmlns:ma14="http://schemas.microsoft.com/office/mac/drawingml/2011/main" val="1"/>
             </a:ext>
           </a:extLst>
         </p:spPr>
@@ -3293,7 +3293,7 @@
           </a:ln>
           <a:extLst>
             <a:ext uri="{C572A759-6A51-4108-AA02-DFA0A04FC94B}">
-              <ma14:wrappingTextBoxFlag xmlns:ma14="http://schemas.microsoft.com/office/mac/drawingml/2011/main" xmlns:a14="http://schemas.microsoft.com/office/drawing/2010/main" xmlns:m="http://schemas.openxmlformats.org/officeDocument/2006/math" xmlns="" val="1"/>
+              <ma14:wrappingTextBoxFlag xmlns="" xmlns:m="http://schemas.openxmlformats.org/officeDocument/2006/math" xmlns:a14="http://schemas.microsoft.com/office/drawing/2010/main" xmlns:ma14="http://schemas.microsoft.com/office/mac/drawingml/2011/main" val="1"/>
             </a:ext>
           </a:extLst>
         </p:spPr>
@@ -3776,7 +3776,7 @@
           </a:ln>
           <a:extLst>
             <a:ext uri="{C572A759-6A51-4108-AA02-DFA0A04FC94B}">
-              <ma14:wrappingTextBoxFlag xmlns:ma14="http://schemas.microsoft.com/office/mac/drawingml/2011/main" xmlns:a14="http://schemas.microsoft.com/office/drawing/2010/main" xmlns:m="http://schemas.openxmlformats.org/officeDocument/2006/math" xmlns="" val="1"/>
+              <ma14:wrappingTextBoxFlag xmlns="" xmlns:m="http://schemas.openxmlformats.org/officeDocument/2006/math" xmlns:a14="http://schemas.microsoft.com/office/drawing/2010/main" xmlns:ma14="http://schemas.microsoft.com/office/mac/drawingml/2011/main" val="1"/>
             </a:ext>
           </a:extLst>
         </p:spPr>
@@ -4013,7 +4013,7 @@
         </p:blipFill>
         <p:spPr>
           <a:xfrm>
-            <a:off x="18927304" y="24571130"/>
+            <a:off x="29259795" y="24497950"/>
             <a:ext cx="1854949" cy="1854949"/>
           </a:xfrm>
           <a:prstGeom prst="rect">
@@ -4049,7 +4049,7 @@
         </p:blipFill>
         <p:spPr>
           <a:xfrm>
-            <a:off x="48897331" y="24614677"/>
+            <a:off x="36906097" y="24705443"/>
             <a:ext cx="1508149" cy="1540466"/>
           </a:xfrm>
           <a:prstGeom prst="rect">
@@ -4082,7 +4082,7 @@
           </a:ln>
           <a:extLst>
             <a:ext uri="{C572A759-6A51-4108-AA02-DFA0A04FC94B}">
-              <ma14:wrappingTextBoxFlag xmlns:ma14="http://schemas.microsoft.com/office/mac/drawingml/2011/main" xmlns:a14="http://schemas.microsoft.com/office/drawing/2010/main" xmlns:m="http://schemas.openxmlformats.org/officeDocument/2006/math" xmlns="" val="1"/>
+              <ma14:wrappingTextBoxFlag xmlns="" xmlns:m="http://schemas.openxmlformats.org/officeDocument/2006/math" xmlns:a14="http://schemas.microsoft.com/office/drawing/2010/main" xmlns:ma14="http://schemas.microsoft.com/office/mac/drawingml/2011/main" val="1"/>
             </a:ext>
           </a:extLst>
         </p:spPr>
@@ -5361,7 +5361,7 @@
           </a:ln>
           <a:extLst>
             <a:ext uri="{C572A759-6A51-4108-AA02-DFA0A04FC94B}">
-              <ma14:wrappingTextBoxFlag xmlns:ma14="http://schemas.microsoft.com/office/mac/drawingml/2011/main" xmlns:a14="http://schemas.microsoft.com/office/drawing/2010/main" xmlns:m="http://schemas.openxmlformats.org/officeDocument/2006/math" xmlns="" val="1"/>
+              <ma14:wrappingTextBoxFlag xmlns="" xmlns:m="http://schemas.openxmlformats.org/officeDocument/2006/math" xmlns:a14="http://schemas.microsoft.com/office/drawing/2010/main" xmlns:ma14="http://schemas.microsoft.com/office/mac/drawingml/2011/main" val="1"/>
             </a:ext>
           </a:extLst>
         </p:spPr>
@@ -5576,7 +5576,7 @@
           </a:ln>
           <a:extLst>
             <a:ext uri="{C572A759-6A51-4108-AA02-DFA0A04FC94B}">
-              <ma14:wrappingTextBoxFlag xmlns:ma14="http://schemas.microsoft.com/office/mac/drawingml/2011/main" xmlns:a14="http://schemas.microsoft.com/office/drawing/2010/main" xmlns:m="http://schemas.openxmlformats.org/officeDocument/2006/math" xmlns="" val="1"/>
+              <ma14:wrappingTextBoxFlag xmlns="" xmlns:m="http://schemas.openxmlformats.org/officeDocument/2006/math" xmlns:a14="http://schemas.microsoft.com/office/drawing/2010/main" xmlns:ma14="http://schemas.microsoft.com/office/mac/drawingml/2011/main" val="1"/>
             </a:ext>
           </a:extLst>
         </p:spPr>
